--- a/powerpoint files/Session3.pptx
+++ b/powerpoint files/Session3.pptx
@@ -10051,7 +10051,7 @@
                 <a:latin typeface="Calibri"/>
                 <a:ea typeface="DejaVu Sans"/>
               </a:rPr>
-              <a:t>Trinity </a:t>
+              <a:t>Michaelmas </a:t>
             </a:r>
             <a:r>
               <a:rPr lang="en-US" sz="3200" b="0" strike="noStrike" spc="-1" dirty="0">
